--- a/INF1070/Lab08 - Diapos.pptx
+++ b/INF1070/Lab08 - Diapos.pptx
@@ -6,10 +6,11 @@
   </p:sldMasterIdLst>
   <p:sldIdLst>
     <p:sldId id="293" r:id="rId5"/>
-    <p:sldId id="303" r:id="rId6"/>
-    <p:sldId id="304" r:id="rId7"/>
-    <p:sldId id="301" r:id="rId8"/>
-    <p:sldId id="294" r:id="rId9"/>
+    <p:sldId id="305" r:id="rId6"/>
+    <p:sldId id="303" r:id="rId7"/>
+    <p:sldId id="304" r:id="rId8"/>
+    <p:sldId id="301" r:id="rId9"/>
+    <p:sldId id="294" r:id="rId10"/>
   </p:sldIdLst>
   <p:sldSz cx="12192000" cy="6858000"/>
   <p:notesSz cx="6858000" cy="9144000"/>
@@ -2453,7 +2454,8 @@
         <a:p>
           <a:r>
             <a:rPr lang="fr-FR" dirty="0"/>
-            <a:t>Indique une répétition d’un motif 0+ fois</a:t>
+            <a:t>Indique une répétition d’un motif 1+ fois
+Équivalent à {1,}</a:t>
           </a:r>
           <a:endParaRPr lang="en-CA" dirty="0"/>
         </a:p>
@@ -2534,7 +2536,8 @@
         <a:p>
           <a:r>
             <a:rPr lang="fr-FR" dirty="0"/>
-            <a:t>Indique une répétition d’un motif 1+ fois</a:t>
+            <a:t>Indique que le motif est présent 0 ou 1 fois.
+Équivalent à {0,1}</a:t>
           </a:r>
           <a:endParaRPr lang="en-CA" dirty="0"/>
         </a:p>
@@ -2953,7 +2956,7 @@
       <dgm:spPr/>
     </dgm:pt>
     <dgm:pt modelId="{F19B1751-D8D5-4D2E-AE44-708D28E1815E}" type="pres">
-      <dgm:prSet presAssocID="{8BF914B9-2A8B-4755-8B5E-3D0747054D27}" presName="descendantText" presStyleLbl="alignAccFollowNode1" presStyleIdx="0" presStyleCnt="4">
+      <dgm:prSet presAssocID="{8BF914B9-2A8B-4755-8B5E-3D0747054D27}" presName="descendantText" presStyleLbl="alignAccFollowNode1" presStyleIdx="0" presStyleCnt="4" custLinFactNeighborX="0" custLinFactNeighborY="-1713">
         <dgm:presLayoutVars>
           <dgm:bulletEnabled val="1"/>
         </dgm:presLayoutVars>
@@ -4230,7 +4233,7 @@
       </dsp:nvSpPr>
       <dsp:spPr>
         <a:xfrm rot="5400000">
-          <a:off x="6469035" y="-2753415"/>
+          <a:off x="6469035" y="-2766114"/>
           <a:ext cx="741353" cy="6437376"/>
         </a:xfrm>
         <a:prstGeom prst="round2SameRect">
@@ -4299,13 +4302,14 @@
           </a:pPr>
           <a:r>
             <a:rPr lang="fr-FR" sz="1300" kern="1200" dirty="0"/>
-            <a:t>Indique une répétition d’un motif 0+ fois</a:t>
+            <a:t>Indique une répétition d’un motif 1+ fois
+Équivalent à {1,}</a:t>
           </a:r>
           <a:endParaRPr lang="en-CA" sz="1300" kern="1200" dirty="0"/>
         </a:p>
       </dsp:txBody>
       <dsp:txXfrm rot="-5400000">
-        <a:off x="3621024" y="130786"/>
+        <a:off x="3621024" y="118087"/>
         <a:ext cx="6401186" cy="668973"/>
       </dsp:txXfrm>
     </dsp:sp>
@@ -4500,7 +4504,8 @@
           </a:pPr>
           <a:r>
             <a:rPr lang="fr-FR" sz="1300" kern="1200" dirty="0"/>
-            <a:t>Indique une répétition d’un motif 1+ fois</a:t>
+            <a:t>Indique que le motif est présent 0 ou 1 fois.
+Équivalent à {0,1}</a:t>
           </a:r>
           <a:endParaRPr lang="en-CA" sz="1300" kern="1200" dirty="0"/>
         </a:p>
@@ -10185,6 +10190,13 @@
             <a:softEdge rad="0"/>
           </a:effectLst>
         </p:spPr>
+        <p:txBody>
+          <a:bodyPr/>
+          <a:lstStyle/>
+          <a:p>
+            <a:endParaRPr lang="en-CA"/>
+          </a:p>
+        </p:txBody>
       </p:sp>
       <p:sp>
         <p:nvSpPr>
@@ -10213,6 +10225,13 @@
           </a:ln>
           <a:effectLst/>
         </p:spPr>
+        <p:txBody>
+          <a:bodyPr/>
+          <a:lstStyle/>
+          <a:p>
+            <a:endParaRPr lang="en-CA"/>
+          </a:p>
+        </p:txBody>
       </p:sp>
       <p:sp>
         <p:nvSpPr>
@@ -10251,6 +10270,13 @@
             <a:schemeClr val="lt1"/>
           </a:fontRef>
         </p:style>
+        <p:txBody>
+          <a:bodyPr/>
+          <a:lstStyle/>
+          <a:p>
+            <a:endParaRPr lang="en-CA"/>
+          </a:p>
+        </p:txBody>
       </p:sp>
       <p:grpSp>
         <p:nvGrpSpPr>
@@ -10555,7 +10581,7 @@
           <a:p>
             <a:fld id="{EA0C0817-A112-4847-8014-A94B7D2A4EA3}" type="datetime1">
               <a:rPr lang="en-US" smtClean="0"/>
-              <a:t>3/21/2025</a:t>
+              <a:t>2/22/2026</a:t>
             </a:fld>
             <a:endParaRPr lang="en-US" dirty="0"/>
           </a:p>
@@ -10757,7 +10783,7 @@
           <a:p>
             <a:fld id="{134F40B7-36AB-4376-BE14-EF7004D79BB9}" type="datetime1">
               <a:rPr lang="en-US" smtClean="0"/>
-              <a:t>3/21/2025</a:t>
+              <a:t>2/22/2026</a:t>
             </a:fld>
             <a:endParaRPr lang="en-US" dirty="0"/>
           </a:p>
@@ -10937,7 +10963,7 @@
           <a:p>
             <a:fld id="{FF87CAB8-DCAE-46A5-AADA-B3FAD11A54E0}" type="datetime1">
               <a:rPr lang="en-US" smtClean="0"/>
-              <a:t>3/21/2025</a:t>
+              <a:t>2/22/2026</a:t>
             </a:fld>
             <a:endParaRPr lang="en-US" dirty="0"/>
           </a:p>
@@ -11107,7 +11133,7 @@
           <a:p>
             <a:fld id="{7332B432-ACDA-4023-A761-2BAB76577B62}" type="datetime1">
               <a:rPr lang="en-US" smtClean="0"/>
-              <a:t>3/21/2025</a:t>
+              <a:t>2/22/2026</a:t>
             </a:fld>
             <a:endParaRPr lang="en-US" dirty="0"/>
           </a:p>
@@ -11706,7 +11732,7 @@
           <a:p>
             <a:fld id="{D9C646AA-F36E-4540-911D-FFFC0A0EF24A}" type="datetime1">
               <a:rPr lang="en-US" smtClean="0"/>
-              <a:t>3/21/2025</a:t>
+              <a:t>2/22/2026</a:t>
             </a:fld>
             <a:endParaRPr lang="en-US" dirty="0"/>
           </a:p>
@@ -12026,7 +12052,7 @@
           <a:p>
             <a:fld id="{69186D26-FA5F-4637-B602-B7C2DC34CFD4}" type="datetime1">
               <a:rPr lang="en-US" smtClean="0"/>
-              <a:t>3/21/2025</a:t>
+              <a:t>2/22/2026</a:t>
             </a:fld>
             <a:endParaRPr lang="en-US" dirty="0"/>
           </a:p>
@@ -12463,7 +12489,7 @@
           <a:p>
             <a:fld id="{8A7F15D8-96D1-4781-BC50-CA8A088B2FE4}" type="datetime1">
               <a:rPr lang="en-US" smtClean="0"/>
-              <a:t>3/21/2025</a:t>
+              <a:t>2/22/2026</a:t>
             </a:fld>
             <a:endParaRPr lang="en-US" dirty="0"/>
           </a:p>
@@ -12581,7 +12607,7 @@
           <a:p>
             <a:fld id="{F9A96C99-B8F8-4528-BD05-0E16E943DC09}" type="datetime1">
               <a:rPr lang="en-US" smtClean="0"/>
-              <a:t>3/21/2025</a:t>
+              <a:t>2/22/2026</a:t>
             </a:fld>
             <a:endParaRPr lang="en-US" dirty="0"/>
           </a:p>
@@ -12676,7 +12702,7 @@
           <a:p>
             <a:fld id="{03636942-C211-4B28-8DBD-C953E00AF71B}" type="datetime1">
               <a:rPr lang="en-US" smtClean="0"/>
-              <a:t>3/21/2025</a:t>
+              <a:t>2/22/2026</a:t>
             </a:fld>
             <a:endParaRPr lang="en-US" dirty="0"/>
           </a:p>
@@ -13093,7 +13119,7 @@
           <a:p>
             <a:fld id="{7E8D12A6-918A-48BD-8CB9-CA713993B0EA}" type="datetime1">
               <a:rPr lang="en-US" smtClean="0"/>
-              <a:t>3/21/2025</a:t>
+              <a:t>2/22/2026</a:t>
             </a:fld>
             <a:endParaRPr lang="en-US" dirty="0"/>
           </a:p>
@@ -13355,7 +13381,7 @@
             <a:fld id="{E778CE86-875F-4587-BCF6-FA054AFC0D53}" type="datetime1">
               <a:rPr lang="en-US" smtClean="0"/>
               <a:pPr/>
-              <a:t>3/21/2025</a:t>
+              <a:t>2/22/2026</a:t>
             </a:fld>
             <a:endParaRPr lang="en-US" dirty="0"/>
           </a:p>
@@ -13711,6 +13737,13 @@
             <a:softEdge rad="0"/>
           </a:effectLst>
         </p:spPr>
+        <p:txBody>
+          <a:bodyPr/>
+          <a:lstStyle/>
+          <a:p>
+            <a:endParaRPr lang="en-CA"/>
+          </a:p>
+        </p:txBody>
       </p:sp>
       <p:sp>
         <p:nvSpPr>
@@ -13739,6 +13772,13 @@
           </a:ln>
           <a:effectLst/>
         </p:spPr>
+        <p:txBody>
+          <a:bodyPr/>
+          <a:lstStyle/>
+          <a:p>
+            <a:endParaRPr lang="en-CA"/>
+          </a:p>
+        </p:txBody>
       </p:sp>
       <p:sp>
         <p:nvSpPr>
@@ -13871,7 +13911,7 @@
           <a:p>
             <a:fld id="{F6FA2B21-3FCD-4721-B95C-427943F61125}" type="datetime1">
               <a:rPr lang="en-US" smtClean="0"/>
-              <a:t>3/21/2025</a:t>
+              <a:t>2/22/2026</a:t>
             </a:fld>
             <a:endParaRPr lang="en-US" dirty="0"/>
           </a:p>
@@ -14588,6 +14628,1019 @@
 <file path=ppt/slides/slide2.xml><?xml version="1.0" encoding="utf-8"?>
 <p:sld xmlns:a="http://schemas.openxmlformats.org/drawingml/2006/main" xmlns:r="http://schemas.openxmlformats.org/officeDocument/2006/relationships" xmlns:p="http://schemas.openxmlformats.org/presentationml/2006/main">
   <p:cSld>
+    <p:bg>
+      <p:bgPr>
+        <a:solidFill>
+          <a:schemeClr val="bg1"/>
+        </a:solidFill>
+        <a:effectLst/>
+      </p:bgPr>
+    </p:bg>
+    <p:spTree>
+      <p:nvGrpSpPr>
+        <p:cNvPr id="1" name=""/>
+        <p:cNvGrpSpPr/>
+        <p:nvPr/>
+      </p:nvGrpSpPr>
+      <p:grpSpPr>
+        <a:xfrm>
+          <a:off x="0" y="0"/>
+          <a:ext cx="0" cy="0"/>
+          <a:chOff x="0" y="0"/>
+          <a:chExt cx="0" cy="0"/>
+        </a:xfrm>
+      </p:grpSpPr>
+      <p:sp>
+        <p:nvSpPr>
+          <p:cNvPr id="38" name="Rectangle 37">
+            <a:extLst>
+              <a:ext uri="{FF2B5EF4-FFF2-40B4-BE49-F238E27FC236}">
+                <a16:creationId xmlns:a16="http://schemas.microsoft.com/office/drawing/2014/main" id="{904DB13E-F722-4ED6-BB00-556651E95281}"/>
+              </a:ext>
+              <a:ext uri="{C183D7F6-B498-43B3-948B-1728B52AA6E4}">
+                <adec:decorative xmlns:adec="http://schemas.microsoft.com/office/drawing/2017/decorative" val="1"/>
+              </a:ext>
+            </a:extLst>
+          </p:cNvPr>
+          <p:cNvSpPr>
+            <a:spLocks noGrp="1" noRot="1" noChangeAspect="1" noMove="1" noResize="1" noEditPoints="1" noAdjustHandles="1" noChangeArrowheads="1" noChangeShapeType="1" noTextEdit="1"/>
+          </p:cNvSpPr>
+          <p:nvPr>
+            <p:extLst>
+              <p:ext uri="{386F3935-93C4-4BCD-93E2-E3B085C9AB24}">
+                <p16:designElem xmlns:p16="http://schemas.microsoft.com/office/powerpoint/2015/main" val="1"/>
+              </p:ext>
+            </p:extLst>
+          </p:nvPr>
+        </p:nvSpPr>
+        <p:spPr>
+          <a:xfrm>
+            <a:off x="0" y="0"/>
+            <a:ext cx="12192000" cy="6858000"/>
+          </a:xfrm>
+          <a:prstGeom prst="rect">
+            <a:avLst/>
+          </a:prstGeom>
+          <a:solidFill>
+            <a:schemeClr val="tx1">
+              <a:lumMod val="65000"/>
+              <a:lumOff val="35000"/>
+            </a:schemeClr>
+          </a:solidFill>
+          <a:ln>
+            <a:noFill/>
+          </a:ln>
+        </p:spPr>
+        <p:style>
+          <a:lnRef idx="2">
+            <a:schemeClr val="accent1">
+              <a:shade val="50000"/>
+            </a:schemeClr>
+          </a:lnRef>
+          <a:fillRef idx="1">
+            <a:schemeClr val="accent1"/>
+          </a:fillRef>
+          <a:effectRef idx="0">
+            <a:schemeClr val="accent1"/>
+          </a:effectRef>
+          <a:fontRef idx="minor">
+            <a:schemeClr val="lt1"/>
+          </a:fontRef>
+        </p:style>
+        <p:txBody>
+          <a:bodyPr rtlCol="0" anchor="ctr"/>
+          <a:lstStyle/>
+          <a:p>
+            <a:pPr algn="ctr"/>
+            <a:endParaRPr lang="en-US"/>
+          </a:p>
+        </p:txBody>
+      </p:sp>
+      <p:sp useBgFill="1">
+        <p:nvSpPr>
+          <p:cNvPr id="40" name="Rectangle 39">
+            <a:extLst>
+              <a:ext uri="{FF2B5EF4-FFF2-40B4-BE49-F238E27FC236}">
+                <a16:creationId xmlns:a16="http://schemas.microsoft.com/office/drawing/2014/main" id="{7B58A187-A4B1-42EB-A4C7-8635BA507BCE}"/>
+              </a:ext>
+              <a:ext uri="{C183D7F6-B498-43B3-948B-1728B52AA6E4}">
+                <adec:decorative xmlns:adec="http://schemas.microsoft.com/office/drawing/2017/decorative" val="1"/>
+              </a:ext>
+            </a:extLst>
+          </p:cNvPr>
+          <p:cNvSpPr>
+            <a:spLocks noGrp="1" noRot="1" noChangeAspect="1" noMove="1" noResize="1" noEditPoints="1" noAdjustHandles="1" noChangeArrowheads="1" noChangeShapeType="1" noTextEdit="1"/>
+          </p:cNvSpPr>
+          <p:nvPr>
+            <p:extLst>
+              <p:ext uri="{386F3935-93C4-4BCD-93E2-E3B085C9AB24}">
+                <p16:designElem xmlns:p16="http://schemas.microsoft.com/office/powerpoint/2015/main" val="1"/>
+              </p:ext>
+            </p:extLst>
+          </p:nvPr>
+        </p:nvSpPr>
+        <p:spPr>
+          <a:xfrm>
+            <a:off x="1307870" y="1267730"/>
+            <a:ext cx="9576262" cy="4307950"/>
+          </a:xfrm>
+          <a:prstGeom prst="rect">
+            <a:avLst/>
+          </a:prstGeom>
+          <a:ln w="6350" cap="flat" cmpd="sng" algn="ctr">
+            <a:noFill/>
+            <a:prstDash val="solid"/>
+          </a:ln>
+          <a:effectLst>
+            <a:outerShdw blurRad="50800" algn="ctr" rotWithShape="0">
+              <a:prstClr val="black">
+                <a:alpha val="66000"/>
+              </a:prstClr>
+            </a:outerShdw>
+            <a:softEdge rad="0"/>
+          </a:effectLst>
+        </p:spPr>
+        <p:txBody>
+          <a:bodyPr/>
+          <a:lstStyle/>
+          <a:p>
+            <a:endParaRPr lang="en-CA"/>
+          </a:p>
+        </p:txBody>
+      </p:sp>
+      <p:sp>
+        <p:nvSpPr>
+          <p:cNvPr id="42" name="Rectangle 41">
+            <a:extLst>
+              <a:ext uri="{FF2B5EF4-FFF2-40B4-BE49-F238E27FC236}">
+                <a16:creationId xmlns:a16="http://schemas.microsoft.com/office/drawing/2014/main" id="{37F14E7F-3054-458C-ACF9-A8DA1757C65C}"/>
+              </a:ext>
+              <a:ext uri="{C183D7F6-B498-43B3-948B-1728B52AA6E4}">
+                <adec:decorative xmlns:adec="http://schemas.microsoft.com/office/drawing/2017/decorative" val="1"/>
+              </a:ext>
+            </a:extLst>
+          </p:cNvPr>
+          <p:cNvSpPr>
+            <a:spLocks noGrp="1" noRot="1" noChangeAspect="1" noMove="1" noResize="1" noEditPoints="1" noAdjustHandles="1" noChangeArrowheads="1" noChangeShapeType="1" noTextEdit="1"/>
+          </p:cNvSpPr>
+          <p:nvPr>
+            <p:extLst>
+              <p:ext uri="{386F3935-93C4-4BCD-93E2-E3B085C9AB24}">
+                <p16:designElem xmlns:p16="http://schemas.microsoft.com/office/powerpoint/2015/main" val="1"/>
+              </p:ext>
+            </p:extLst>
+          </p:nvPr>
+        </p:nvSpPr>
+        <p:spPr>
+          <a:xfrm>
+            <a:off x="1447801" y="1411615"/>
+            <a:ext cx="9296400" cy="4034770"/>
+          </a:xfrm>
+          <a:prstGeom prst="rect">
+            <a:avLst/>
+          </a:prstGeom>
+          <a:noFill/>
+          <a:ln w="6350" cap="sq" cmpd="sng" algn="ctr">
+            <a:solidFill>
+              <a:schemeClr val="tx1">
+                <a:lumMod val="75000"/>
+                <a:lumOff val="25000"/>
+              </a:schemeClr>
+            </a:solidFill>
+            <a:prstDash val="solid"/>
+            <a:miter lim="800000"/>
+          </a:ln>
+          <a:effectLst/>
+        </p:spPr>
+        <p:txBody>
+          <a:bodyPr/>
+          <a:lstStyle/>
+          <a:p>
+            <a:endParaRPr lang="en-CA"/>
+          </a:p>
+        </p:txBody>
+      </p:sp>
+      <p:sp>
+        <p:nvSpPr>
+          <p:cNvPr id="44" name="Rectangle 43">
+            <a:extLst>
+              <a:ext uri="{FF2B5EF4-FFF2-40B4-BE49-F238E27FC236}">
+                <a16:creationId xmlns:a16="http://schemas.microsoft.com/office/drawing/2014/main" id="{93747C1C-97FC-4D70-A6C8-A01FBCF5A9DC}"/>
+              </a:ext>
+              <a:ext uri="{C183D7F6-B498-43B3-948B-1728B52AA6E4}">
+                <adec:decorative xmlns:adec="http://schemas.microsoft.com/office/drawing/2017/decorative" val="1"/>
+              </a:ext>
+            </a:extLst>
+          </p:cNvPr>
+          <p:cNvSpPr>
+            <a:spLocks noGrp="1" noRot="1" noChangeAspect="1" noMove="1" noResize="1" noEditPoints="1" noAdjustHandles="1" noChangeArrowheads="1" noChangeShapeType="1" noTextEdit="1"/>
+          </p:cNvSpPr>
+          <p:nvPr>
+            <p:extLst>
+              <p:ext uri="{386F3935-93C4-4BCD-93E2-E3B085C9AB24}">
+                <p16:designElem xmlns:p16="http://schemas.microsoft.com/office/powerpoint/2015/main" val="1"/>
+              </p:ext>
+            </p:extLst>
+          </p:nvPr>
+        </p:nvSpPr>
+        <p:spPr>
+          <a:xfrm>
+            <a:off x="5135880" y="1267730"/>
+            <a:ext cx="1920240" cy="731520"/>
+          </a:xfrm>
+          <a:prstGeom prst="rect">
+            <a:avLst/>
+          </a:prstGeom>
+          <a:solidFill>
+            <a:schemeClr val="accent1"/>
+          </a:solidFill>
+          <a:ln>
+            <a:noFill/>
+          </a:ln>
+        </p:spPr>
+        <p:style>
+          <a:lnRef idx="2">
+            <a:schemeClr val="accent1">
+              <a:shade val="50000"/>
+            </a:schemeClr>
+          </a:lnRef>
+          <a:fillRef idx="1">
+            <a:schemeClr val="accent1"/>
+          </a:fillRef>
+          <a:effectRef idx="0">
+            <a:schemeClr val="accent1"/>
+          </a:effectRef>
+          <a:fontRef idx="minor">
+            <a:schemeClr val="lt1"/>
+          </a:fontRef>
+        </p:style>
+        <p:txBody>
+          <a:bodyPr/>
+          <a:lstStyle/>
+          <a:p>
+            <a:endParaRPr lang="en-CA"/>
+          </a:p>
+        </p:txBody>
+      </p:sp>
+      <p:grpSp>
+        <p:nvGrpSpPr>
+          <p:cNvPr id="46" name="Group 45">
+            <a:extLst>
+              <a:ext uri="{FF2B5EF4-FFF2-40B4-BE49-F238E27FC236}">
+                <a16:creationId xmlns:a16="http://schemas.microsoft.com/office/drawing/2014/main" id="{E26428D7-C6F3-473D-A360-A3F5C3E8728C}"/>
+              </a:ext>
+              <a:ext uri="{C183D7F6-B498-43B3-948B-1728B52AA6E4}">
+                <adec:decorative xmlns:adec="http://schemas.microsoft.com/office/drawing/2017/decorative" val="1"/>
+              </a:ext>
+            </a:extLst>
+          </p:cNvPr>
+          <p:cNvGrpSpPr>
+            <a:grpSpLocks noGrp="1" noUngrp="1" noRot="1" noChangeAspect="1" noMove="1" noResize="1"/>
+          </p:cNvGrpSpPr>
+          <p:nvPr>
+            <p:extLst>
+              <p:ext uri="{386F3935-93C4-4BCD-93E2-E3B085C9AB24}">
+                <p16:designElem xmlns:p16="http://schemas.microsoft.com/office/powerpoint/2015/main" val="1"/>
+              </p:ext>
+            </p:extLst>
+          </p:nvPr>
+        </p:nvGrpSpPr>
+        <p:grpSpPr>
+          <a:xfrm>
+            <a:off x="5250180" y="1267730"/>
+            <a:ext cx="1691640" cy="615934"/>
+            <a:chOff x="5250180" y="1267730"/>
+            <a:chExt cx="1691640" cy="615934"/>
+          </a:xfrm>
+        </p:grpSpPr>
+        <p:cxnSp>
+          <p:nvCxnSpPr>
+            <p:cNvPr id="47" name="Straight Connector 46">
+              <a:extLst>
+                <a:ext uri="{FF2B5EF4-FFF2-40B4-BE49-F238E27FC236}">
+                  <a16:creationId xmlns:a16="http://schemas.microsoft.com/office/drawing/2014/main" id="{05CDC370-AE44-4300-98BA-FE204E881765}"/>
+                </a:ext>
+                <a:ext uri="{C183D7F6-B498-43B3-948B-1728B52AA6E4}">
+                  <adec:decorative xmlns:adec="http://schemas.microsoft.com/office/drawing/2017/decorative" val="1"/>
+                </a:ext>
+              </a:extLst>
+            </p:cNvPr>
+            <p:cNvCxnSpPr/>
+            <p:nvPr>
+              <p:extLst>
+                <p:ext uri="{386F3935-93C4-4BCD-93E2-E3B085C9AB24}">
+                  <p16:designElem xmlns:p16="http://schemas.microsoft.com/office/powerpoint/2015/main" val="1"/>
+                </p:ext>
+              </p:extLst>
+            </p:nvPr>
+          </p:nvCxnSpPr>
+          <p:spPr>
+            <a:xfrm>
+              <a:off x="5250180" y="1267730"/>
+              <a:ext cx="0" cy="612648"/>
+            </a:xfrm>
+            <a:prstGeom prst="line">
+              <a:avLst/>
+            </a:prstGeom>
+            <a:solidFill>
+              <a:schemeClr val="tx1">
+                <a:lumMod val="85000"/>
+                <a:lumOff val="15000"/>
+              </a:schemeClr>
+            </a:solidFill>
+            <a:ln>
+              <a:solidFill>
+                <a:srgbClr val="FFFFFF"/>
+              </a:solidFill>
+              <a:miter lim="800000"/>
+            </a:ln>
+          </p:spPr>
+          <p:style>
+            <a:lnRef idx="1">
+              <a:schemeClr val="accent1"/>
+            </a:lnRef>
+            <a:fillRef idx="0">
+              <a:schemeClr val="accent1"/>
+            </a:fillRef>
+            <a:effectRef idx="0">
+              <a:schemeClr val="accent1"/>
+            </a:effectRef>
+            <a:fontRef idx="minor">
+              <a:schemeClr val="tx1"/>
+            </a:fontRef>
+          </p:style>
+        </p:cxnSp>
+        <p:cxnSp>
+          <p:nvCxnSpPr>
+            <p:cNvPr id="48" name="Straight Connector 47">
+              <a:extLst>
+                <a:ext uri="{FF2B5EF4-FFF2-40B4-BE49-F238E27FC236}">
+                  <a16:creationId xmlns:a16="http://schemas.microsoft.com/office/drawing/2014/main" id="{47B15501-CB9A-4642-80EE-2876EF039EB8}"/>
+                </a:ext>
+                <a:ext uri="{C183D7F6-B498-43B3-948B-1728B52AA6E4}">
+                  <adec:decorative xmlns:adec="http://schemas.microsoft.com/office/drawing/2017/decorative" val="1"/>
+                </a:ext>
+              </a:extLst>
+            </p:cNvPr>
+            <p:cNvCxnSpPr/>
+            <p:nvPr>
+              <p:extLst>
+                <p:ext uri="{386F3935-93C4-4BCD-93E2-E3B085C9AB24}">
+                  <p16:designElem xmlns:p16="http://schemas.microsoft.com/office/powerpoint/2015/main" val="1"/>
+                </p:ext>
+              </p:extLst>
+            </p:nvPr>
+          </p:nvCxnSpPr>
+          <p:spPr>
+            <a:xfrm>
+              <a:off x="6941820" y="1267730"/>
+              <a:ext cx="0" cy="612648"/>
+            </a:xfrm>
+            <a:prstGeom prst="line">
+              <a:avLst/>
+            </a:prstGeom>
+            <a:solidFill>
+              <a:schemeClr val="tx1">
+                <a:lumMod val="85000"/>
+                <a:lumOff val="15000"/>
+              </a:schemeClr>
+            </a:solidFill>
+            <a:ln>
+              <a:solidFill>
+                <a:srgbClr val="FFFFFF"/>
+              </a:solidFill>
+              <a:miter lim="800000"/>
+            </a:ln>
+          </p:spPr>
+          <p:style>
+            <a:lnRef idx="1">
+              <a:schemeClr val="accent1"/>
+            </a:lnRef>
+            <a:fillRef idx="0">
+              <a:schemeClr val="accent1"/>
+            </a:fillRef>
+            <a:effectRef idx="0">
+              <a:schemeClr val="accent1"/>
+            </a:effectRef>
+            <a:fontRef idx="minor">
+              <a:schemeClr val="tx1"/>
+            </a:fontRef>
+          </p:style>
+        </p:cxnSp>
+        <p:cxnSp>
+          <p:nvCxnSpPr>
+            <p:cNvPr id="49" name="Straight Connector 48">
+              <a:extLst>
+                <a:ext uri="{FF2B5EF4-FFF2-40B4-BE49-F238E27FC236}">
+                  <a16:creationId xmlns:a16="http://schemas.microsoft.com/office/drawing/2014/main" id="{6AFF9525-325F-47B3-A63C-93C12253AD76}"/>
+                </a:ext>
+                <a:ext uri="{C183D7F6-B498-43B3-948B-1728B52AA6E4}">
+                  <adec:decorative xmlns:adec="http://schemas.microsoft.com/office/drawing/2017/decorative" val="1"/>
+                </a:ext>
+              </a:extLst>
+            </p:cNvPr>
+            <p:cNvCxnSpPr/>
+            <p:nvPr>
+              <p:extLst>
+                <p:ext uri="{386F3935-93C4-4BCD-93E2-E3B085C9AB24}">
+                  <p16:designElem xmlns:p16="http://schemas.microsoft.com/office/powerpoint/2015/main" val="1"/>
+                </p:ext>
+              </p:extLst>
+            </p:nvPr>
+          </p:nvCxnSpPr>
+          <p:spPr>
+            <a:xfrm>
+              <a:off x="5250180" y="1883664"/>
+              <a:ext cx="1691640" cy="0"/>
+            </a:xfrm>
+            <a:prstGeom prst="line">
+              <a:avLst/>
+            </a:prstGeom>
+            <a:solidFill>
+              <a:schemeClr val="tx1">
+                <a:lumMod val="85000"/>
+                <a:lumOff val="15000"/>
+              </a:schemeClr>
+            </a:solidFill>
+            <a:ln>
+              <a:solidFill>
+                <a:srgbClr val="FFFFFF"/>
+              </a:solidFill>
+              <a:miter lim="800000"/>
+            </a:ln>
+          </p:spPr>
+          <p:style>
+            <a:lnRef idx="1">
+              <a:schemeClr val="accent1"/>
+            </a:lnRef>
+            <a:fillRef idx="0">
+              <a:schemeClr val="accent1"/>
+            </a:fillRef>
+            <a:effectRef idx="0">
+              <a:schemeClr val="accent1"/>
+            </a:effectRef>
+            <a:fontRef idx="minor">
+              <a:schemeClr val="tx1"/>
+            </a:fontRef>
+          </p:style>
+        </p:cxnSp>
+      </p:grpSp>
+      <p:sp>
+        <p:nvSpPr>
+          <p:cNvPr id="51" name="Rectangle 50">
+            <a:extLst>
+              <a:ext uri="{FF2B5EF4-FFF2-40B4-BE49-F238E27FC236}">
+                <a16:creationId xmlns:a16="http://schemas.microsoft.com/office/drawing/2014/main" id="{D071C0CD-5EFD-45A1-AAFD-61C3D4A65188}"/>
+              </a:ext>
+              <a:ext uri="{C183D7F6-B498-43B3-948B-1728B52AA6E4}">
+                <adec:decorative xmlns:adec="http://schemas.microsoft.com/office/drawing/2017/decorative" val="1"/>
+              </a:ext>
+            </a:extLst>
+          </p:cNvPr>
+          <p:cNvSpPr>
+            <a:spLocks noGrp="1" noRot="1" noChangeAspect="1" noMove="1" noResize="1" noEditPoints="1" noAdjustHandles="1" noChangeArrowheads="1" noChangeShapeType="1" noTextEdit="1"/>
+          </p:cNvSpPr>
+          <p:nvPr>
+            <p:extLst>
+              <p:ext uri="{386F3935-93C4-4BCD-93E2-E3B085C9AB24}">
+                <p16:designElem xmlns:p16="http://schemas.microsoft.com/office/powerpoint/2015/main" val="1"/>
+              </p:ext>
+            </p:extLst>
+          </p:nvPr>
+        </p:nvSpPr>
+        <p:spPr>
+          <a:xfrm>
+            <a:off x="0" y="0"/>
+            <a:ext cx="12192000" cy="6858000"/>
+          </a:xfrm>
+          <a:prstGeom prst="rect">
+            <a:avLst/>
+          </a:prstGeom>
+          <a:solidFill>
+            <a:schemeClr val="accent1"/>
+          </a:solidFill>
+          <a:ln>
+            <a:noFill/>
+          </a:ln>
+        </p:spPr>
+        <p:style>
+          <a:lnRef idx="2">
+            <a:schemeClr val="accent1">
+              <a:shade val="50000"/>
+            </a:schemeClr>
+          </a:lnRef>
+          <a:fillRef idx="1002">
+            <a:schemeClr val="lt2"/>
+          </a:fillRef>
+          <a:effectRef idx="0">
+            <a:schemeClr val="accent1"/>
+          </a:effectRef>
+          <a:fontRef idx="minor">
+            <a:schemeClr val="lt1"/>
+          </a:fontRef>
+        </p:style>
+        <p:txBody>
+          <a:bodyPr rtlCol="0" anchor="ctr"/>
+          <a:lstStyle/>
+          <a:p>
+            <a:pPr algn="ctr"/>
+            <a:endParaRPr lang="en-US"/>
+          </a:p>
+        </p:txBody>
+      </p:sp>
+      <p:sp>
+        <p:nvSpPr>
+          <p:cNvPr id="53" name="Rectangle 52">
+            <a:extLst>
+              <a:ext uri="{FF2B5EF4-FFF2-40B4-BE49-F238E27FC236}">
+                <a16:creationId xmlns:a16="http://schemas.microsoft.com/office/drawing/2014/main" id="{8A03302C-20A2-4C4F-9760-E85AE1041385}"/>
+              </a:ext>
+              <a:ext uri="{C183D7F6-B498-43B3-948B-1728B52AA6E4}">
+                <adec:decorative xmlns:adec="http://schemas.microsoft.com/office/drawing/2017/decorative" val="1"/>
+              </a:ext>
+            </a:extLst>
+          </p:cNvPr>
+          <p:cNvSpPr>
+            <a:spLocks noGrp="1" noRot="1" noChangeAspect="1" noMove="1" noResize="1" noEditPoints="1" noAdjustHandles="1" noChangeArrowheads="1" noChangeShapeType="1" noTextEdit="1"/>
+          </p:cNvSpPr>
+          <p:nvPr>
+            <p:extLst>
+              <p:ext uri="{386F3935-93C4-4BCD-93E2-E3B085C9AB24}">
+                <p16:designElem xmlns:p16="http://schemas.microsoft.com/office/powerpoint/2015/main" val="1"/>
+              </p:ext>
+            </p:extLst>
+          </p:nvPr>
+        </p:nvSpPr>
+        <p:spPr>
+          <a:xfrm>
+            <a:off x="643337" y="643464"/>
+            <a:ext cx="10912338" cy="5571072"/>
+          </a:xfrm>
+          <a:prstGeom prst="rect">
+            <a:avLst/>
+          </a:prstGeom>
+          <a:solidFill>
+            <a:srgbClr val="FFFFFF"/>
+          </a:solidFill>
+          <a:ln w="6350" cap="flat" cmpd="sng" algn="ctr">
+            <a:noFill/>
+            <a:prstDash val="solid"/>
+          </a:ln>
+          <a:effectLst>
+            <a:outerShdw blurRad="50800" algn="ctr" rotWithShape="0">
+              <a:prstClr val="black">
+                <a:alpha val="66000"/>
+              </a:prstClr>
+            </a:outerShdw>
+            <a:softEdge rad="0"/>
+          </a:effectLst>
+        </p:spPr>
+        <p:txBody>
+          <a:bodyPr/>
+          <a:lstStyle/>
+          <a:p>
+            <a:endParaRPr lang="en-CA"/>
+          </a:p>
+        </p:txBody>
+      </p:sp>
+      <p:sp useBgFill="1">
+        <p:nvSpPr>
+          <p:cNvPr id="55" name="Rectangle 54">
+            <a:extLst>
+              <a:ext uri="{FF2B5EF4-FFF2-40B4-BE49-F238E27FC236}">
+                <a16:creationId xmlns:a16="http://schemas.microsoft.com/office/drawing/2014/main" id="{D00F093B-0739-4429-B30D-D72924D08871}"/>
+              </a:ext>
+              <a:ext uri="{C183D7F6-B498-43B3-948B-1728B52AA6E4}">
+                <adec:decorative xmlns:adec="http://schemas.microsoft.com/office/drawing/2017/decorative" val="1"/>
+              </a:ext>
+            </a:extLst>
+          </p:cNvPr>
+          <p:cNvSpPr>
+            <a:spLocks noGrp="1" noRot="1" noChangeAspect="1" noMove="1" noResize="1" noEditPoints="1" noAdjustHandles="1" noChangeArrowheads="1" noChangeShapeType="1" noTextEdit="1"/>
+          </p:cNvSpPr>
+          <p:nvPr>
+            <p:extLst>
+              <p:ext uri="{386F3935-93C4-4BCD-93E2-E3B085C9AB24}">
+                <p16:designElem xmlns:p16="http://schemas.microsoft.com/office/powerpoint/2015/main" val="1"/>
+              </p:ext>
+            </p:extLst>
+          </p:nvPr>
+        </p:nvSpPr>
+        <p:spPr>
+          <a:xfrm>
+            <a:off x="809702" y="809244"/>
+            <a:ext cx="10579608" cy="5239512"/>
+          </a:xfrm>
+          <a:prstGeom prst="rect">
+            <a:avLst/>
+          </a:prstGeom>
+          <a:ln w="6350" cap="sq" cmpd="sng" algn="ctr">
+            <a:solidFill>
+              <a:schemeClr val="tx1">
+                <a:lumMod val="75000"/>
+                <a:lumOff val="25000"/>
+              </a:schemeClr>
+            </a:solidFill>
+            <a:prstDash val="solid"/>
+            <a:miter lim="800000"/>
+          </a:ln>
+          <a:effectLst/>
+        </p:spPr>
+        <p:txBody>
+          <a:bodyPr/>
+          <a:lstStyle/>
+          <a:p>
+            <a:endParaRPr lang="en-CA"/>
+          </a:p>
+        </p:txBody>
+      </p:sp>
+      <p:sp>
+        <p:nvSpPr>
+          <p:cNvPr id="2" name="Title 1">
+            <a:extLst>
+              <a:ext uri="{FF2B5EF4-FFF2-40B4-BE49-F238E27FC236}">
+                <a16:creationId xmlns:a16="http://schemas.microsoft.com/office/drawing/2014/main" id="{F4A363A4-748C-215B-19C8-C645F53D59FF}"/>
+              </a:ext>
+            </a:extLst>
+          </p:cNvPr>
+          <p:cNvSpPr>
+            <a:spLocks noGrp="1"/>
+          </p:cNvSpPr>
+          <p:nvPr>
+            <p:ph type="title"/>
+          </p:nvPr>
+        </p:nvSpPr>
+        <p:spPr>
+          <a:xfrm>
+            <a:off x="1306286" y="1446715"/>
+            <a:ext cx="9637485" cy="3299335"/>
+          </a:xfrm>
+        </p:spPr>
+        <p:txBody>
+          <a:bodyPr vert="horz" lIns="91440" tIns="45720" rIns="91440" bIns="45720" rtlCol="0" anchor="ctr">
+            <a:normAutofit/>
+          </a:bodyPr>
+          <a:lstStyle/>
+          <a:p>
+            <a:pPr algn="ctr">
+              <a:lnSpc>
+                <a:spcPct val="83000"/>
+              </a:lnSpc>
+            </a:pPr>
+            <a:r>
+              <a:rPr lang="en-US" sz="6800" cap="all" spc="-100"/>
+              <a:t>Rappel</a:t>
+            </a:r>
+          </a:p>
+        </p:txBody>
+      </p:sp>
+      <p:sp>
+        <p:nvSpPr>
+          <p:cNvPr id="57" name="Rectangle 56">
+            <a:extLst>
+              <a:ext uri="{FF2B5EF4-FFF2-40B4-BE49-F238E27FC236}">
+                <a16:creationId xmlns:a16="http://schemas.microsoft.com/office/drawing/2014/main" id="{1BB92999-6A40-480A-8965-2F20DFB032B5}"/>
+              </a:ext>
+              <a:ext uri="{C183D7F6-B498-43B3-948B-1728B52AA6E4}">
+                <adec:decorative xmlns:adec="http://schemas.microsoft.com/office/drawing/2017/decorative" val="1"/>
+              </a:ext>
+            </a:extLst>
+          </p:cNvPr>
+          <p:cNvSpPr>
+            <a:spLocks noGrp="1" noRot="1" noChangeAspect="1" noMove="1" noResize="1" noEditPoints="1" noAdjustHandles="1" noChangeArrowheads="1" noChangeShapeType="1" noTextEdit="1"/>
+          </p:cNvSpPr>
+          <p:nvPr>
+            <p:extLst>
+              <p:ext uri="{386F3935-93C4-4BCD-93E2-E3B085C9AB24}">
+                <p16:designElem xmlns:p16="http://schemas.microsoft.com/office/powerpoint/2015/main" val="1"/>
+              </p:ext>
+            </p:extLst>
+          </p:nvPr>
+        </p:nvSpPr>
+        <p:spPr>
+          <a:xfrm>
+            <a:off x="5135880" y="640856"/>
+            <a:ext cx="1920240" cy="731520"/>
+          </a:xfrm>
+          <a:prstGeom prst="rect">
+            <a:avLst/>
+          </a:prstGeom>
+          <a:solidFill>
+            <a:srgbClr val="D9D9D9"/>
+          </a:solidFill>
+          <a:ln>
+            <a:noFill/>
+          </a:ln>
+        </p:spPr>
+        <p:style>
+          <a:lnRef idx="2">
+            <a:schemeClr val="accent1">
+              <a:shade val="50000"/>
+            </a:schemeClr>
+          </a:lnRef>
+          <a:fillRef idx="1">
+            <a:schemeClr val="accent1"/>
+          </a:fillRef>
+          <a:effectRef idx="0">
+            <a:schemeClr val="accent1"/>
+          </a:effectRef>
+          <a:fontRef idx="minor">
+            <a:schemeClr val="lt1"/>
+          </a:fontRef>
+        </p:style>
+        <p:txBody>
+          <a:bodyPr/>
+          <a:lstStyle/>
+          <a:p>
+            <a:endParaRPr lang="en-CA"/>
+          </a:p>
+        </p:txBody>
+      </p:sp>
+      <p:cxnSp>
+        <p:nvCxnSpPr>
+          <p:cNvPr id="59" name="Straight Connector 58">
+            <a:extLst>
+              <a:ext uri="{FF2B5EF4-FFF2-40B4-BE49-F238E27FC236}">
+                <a16:creationId xmlns:a16="http://schemas.microsoft.com/office/drawing/2014/main" id="{15573B87-7D61-460C-9ADA-EF63674E3A97}"/>
+              </a:ext>
+              <a:ext uri="{C183D7F6-B498-43B3-948B-1728B52AA6E4}">
+                <adec:decorative xmlns:adec="http://schemas.microsoft.com/office/drawing/2017/decorative" val="1"/>
+              </a:ext>
+            </a:extLst>
+          </p:cNvPr>
+          <p:cNvCxnSpPr>
+            <a:cxnSpLocks noGrp="1" noRot="1" noChangeAspect="1" noMove="1" noResize="1" noEditPoints="1" noAdjustHandles="1" noChangeArrowheads="1" noChangeShapeType="1"/>
+          </p:cNvCxnSpPr>
+          <p:nvPr>
+            <p:extLst>
+              <p:ext uri="{386F3935-93C4-4BCD-93E2-E3B085C9AB24}">
+                <p16:designElem xmlns:p16="http://schemas.microsoft.com/office/powerpoint/2015/main" val="1"/>
+              </p:ext>
+            </p:extLst>
+          </p:nvPr>
+        </p:nvCxnSpPr>
+        <p:spPr>
+          <a:xfrm>
+            <a:off x="5250180" y="640855"/>
+            <a:ext cx="0" cy="640080"/>
+          </a:xfrm>
+          <a:prstGeom prst="line">
+            <a:avLst/>
+          </a:prstGeom>
+          <a:solidFill>
+            <a:schemeClr val="tx1">
+              <a:lumMod val="85000"/>
+              <a:lumOff val="15000"/>
+            </a:schemeClr>
+          </a:solidFill>
+          <a:ln>
+            <a:solidFill>
+              <a:srgbClr val="000000"/>
+            </a:solidFill>
+            <a:miter lim="800000"/>
+          </a:ln>
+        </p:spPr>
+        <p:style>
+          <a:lnRef idx="1">
+            <a:schemeClr val="accent1"/>
+          </a:lnRef>
+          <a:fillRef idx="0">
+            <a:schemeClr val="accent1"/>
+          </a:fillRef>
+          <a:effectRef idx="0">
+            <a:schemeClr val="accent1"/>
+          </a:effectRef>
+          <a:fontRef idx="minor">
+            <a:schemeClr val="tx1"/>
+          </a:fontRef>
+        </p:style>
+      </p:cxnSp>
+      <p:cxnSp>
+        <p:nvCxnSpPr>
+          <p:cNvPr id="61" name="Straight Connector 60">
+            <a:extLst>
+              <a:ext uri="{FF2B5EF4-FFF2-40B4-BE49-F238E27FC236}">
+                <a16:creationId xmlns:a16="http://schemas.microsoft.com/office/drawing/2014/main" id="{0AAF6B7C-985D-4351-9564-8DBDF5BB03EA}"/>
+              </a:ext>
+              <a:ext uri="{C183D7F6-B498-43B3-948B-1728B52AA6E4}">
+                <adec:decorative xmlns:adec="http://schemas.microsoft.com/office/drawing/2017/decorative" val="1"/>
+              </a:ext>
+            </a:extLst>
+          </p:cNvPr>
+          <p:cNvCxnSpPr>
+            <a:cxnSpLocks noGrp="1" noRot="1" noChangeAspect="1" noMove="1" noResize="1" noEditPoints="1" noAdjustHandles="1" noChangeArrowheads="1" noChangeShapeType="1"/>
+          </p:cNvCxnSpPr>
+          <p:nvPr>
+            <p:extLst>
+              <p:ext uri="{386F3935-93C4-4BCD-93E2-E3B085C9AB24}">
+                <p16:designElem xmlns:p16="http://schemas.microsoft.com/office/powerpoint/2015/main" val="1"/>
+              </p:ext>
+            </p:extLst>
+          </p:nvPr>
+        </p:nvCxnSpPr>
+        <p:spPr>
+          <a:xfrm>
+            <a:off x="6941820" y="640855"/>
+            <a:ext cx="0" cy="640080"/>
+          </a:xfrm>
+          <a:prstGeom prst="line">
+            <a:avLst/>
+          </a:prstGeom>
+          <a:solidFill>
+            <a:schemeClr val="tx1">
+              <a:lumMod val="85000"/>
+              <a:lumOff val="15000"/>
+            </a:schemeClr>
+          </a:solidFill>
+          <a:ln>
+            <a:solidFill>
+              <a:srgbClr val="000000"/>
+            </a:solidFill>
+            <a:miter lim="800000"/>
+          </a:ln>
+        </p:spPr>
+        <p:style>
+          <a:lnRef idx="1">
+            <a:schemeClr val="accent1"/>
+          </a:lnRef>
+          <a:fillRef idx="0">
+            <a:schemeClr val="accent1"/>
+          </a:fillRef>
+          <a:effectRef idx="0">
+            <a:schemeClr val="accent1"/>
+          </a:effectRef>
+          <a:fontRef idx="minor">
+            <a:schemeClr val="tx1"/>
+          </a:fontRef>
+        </p:style>
+      </p:cxnSp>
+      <p:cxnSp>
+        <p:nvCxnSpPr>
+          <p:cNvPr id="63" name="Straight Connector 62">
+            <a:extLst>
+              <a:ext uri="{FF2B5EF4-FFF2-40B4-BE49-F238E27FC236}">
+                <a16:creationId xmlns:a16="http://schemas.microsoft.com/office/drawing/2014/main" id="{F88433F4-33AB-4CE1-9DE3-72A8403654F1}"/>
+              </a:ext>
+              <a:ext uri="{C183D7F6-B498-43B3-948B-1728B52AA6E4}">
+                <adec:decorative xmlns:adec="http://schemas.microsoft.com/office/drawing/2017/decorative" val="1"/>
+              </a:ext>
+            </a:extLst>
+          </p:cNvPr>
+          <p:cNvCxnSpPr>
+            <a:cxnSpLocks noGrp="1" noRot="1" noChangeAspect="1" noMove="1" noResize="1" noEditPoints="1" noAdjustHandles="1" noChangeArrowheads="1" noChangeShapeType="1"/>
+          </p:cNvCxnSpPr>
+          <p:nvPr>
+            <p:extLst>
+              <p:ext uri="{386F3935-93C4-4BCD-93E2-E3B085C9AB24}">
+                <p16:designElem xmlns:p16="http://schemas.microsoft.com/office/powerpoint/2015/main" val="1"/>
+              </p:ext>
+            </p:extLst>
+          </p:nvPr>
+        </p:nvCxnSpPr>
+        <p:spPr>
+          <a:xfrm>
+            <a:off x="5250180" y="1286150"/>
+            <a:ext cx="1691640" cy="0"/>
+          </a:xfrm>
+          <a:prstGeom prst="line">
+            <a:avLst/>
+          </a:prstGeom>
+          <a:solidFill>
+            <a:schemeClr val="tx1">
+              <a:lumMod val="85000"/>
+              <a:lumOff val="15000"/>
+            </a:schemeClr>
+          </a:solidFill>
+          <a:ln>
+            <a:solidFill>
+              <a:srgbClr val="000000"/>
+            </a:solidFill>
+            <a:miter lim="800000"/>
+          </a:ln>
+        </p:spPr>
+        <p:style>
+          <a:lnRef idx="1">
+            <a:schemeClr val="accent1"/>
+          </a:lnRef>
+          <a:fillRef idx="0">
+            <a:schemeClr val="accent1"/>
+          </a:fillRef>
+          <a:effectRef idx="0">
+            <a:schemeClr val="accent1"/>
+          </a:effectRef>
+          <a:fontRef idx="minor">
+            <a:schemeClr val="tx1"/>
+          </a:fontRef>
+        </p:style>
+      </p:cxnSp>
+    </p:spTree>
+    <p:extLst>
+      <p:ext uri="{BB962C8B-B14F-4D97-AF65-F5344CB8AC3E}">
+        <p14:creationId xmlns:p14="http://schemas.microsoft.com/office/powerpoint/2010/main" val="3403040137"/>
+      </p:ext>
+    </p:extLst>
+  </p:cSld>
+  <p:clrMapOvr>
+    <a:masterClrMapping/>
+  </p:clrMapOvr>
+  <p:timing>
+    <p:tnLst>
+      <p:par>
+        <p:cTn id="1" dur="indefinite" restart="never" nodeType="tmRoot">
+          <p:childTnLst>
+            <p:seq concurrent="1" nextAc="seek">
+              <p:cTn id="2" dur="indefinite" nodeType="mainSeq">
+                <p:childTnLst>
+                  <p:par>
+                    <p:cTn id="3" fill="hold">
+                      <p:stCondLst>
+                        <p:cond delay="indefinite"/>
+                        <p:cond evt="onBegin" delay="0">
+                          <p:tn val="2"/>
+                        </p:cond>
+                      </p:stCondLst>
+                      <p:childTnLst>
+                        <p:par>
+                          <p:cTn id="4" fill="hold">
+                            <p:stCondLst>
+                              <p:cond delay="0"/>
+                            </p:stCondLst>
+                            <p:childTnLst>
+                              <p:par>
+                                <p:cTn id="5" presetID="10" presetClass="entr" presetSubtype="0" fill="hold" grpId="0" nodeType="withEffect">
+                                  <p:stCondLst>
+                                    <p:cond delay="500"/>
+                                  </p:stCondLst>
+                                  <p:iterate type="lt">
+                                    <p:tmPct val="10000"/>
+                                  </p:iterate>
+                                  <p:childTnLst>
+                                    <p:set>
+                                      <p:cBhvr>
+                                        <p:cTn id="6" dur="1" fill="hold">
+                                          <p:stCondLst>
+                                            <p:cond delay="0"/>
+                                          </p:stCondLst>
+                                        </p:cTn>
+                                        <p:tgtEl>
+                                          <p:spTgt spid="2"/>
+                                        </p:tgtEl>
+                                        <p:attrNameLst>
+                                          <p:attrName>style.visibility</p:attrName>
+                                        </p:attrNameLst>
+                                      </p:cBhvr>
+                                      <p:to>
+                                        <p:strVal val="visible"/>
+                                      </p:to>
+                                    </p:set>
+                                    <p:animEffect transition="in" filter="fade">
+                                      <p:cBhvr>
+                                        <p:cTn id="7" dur="400"/>
+                                        <p:tgtEl>
+                                          <p:spTgt spid="2"/>
+                                        </p:tgtEl>
+                                      </p:cBhvr>
+                                    </p:animEffect>
+                                  </p:childTnLst>
+                                </p:cTn>
+                              </p:par>
+                            </p:childTnLst>
+                          </p:cTn>
+                        </p:par>
+                      </p:childTnLst>
+                    </p:cTn>
+                  </p:par>
+                </p:childTnLst>
+              </p:cTn>
+              <p:prevCondLst>
+                <p:cond evt="onPrev" delay="0">
+                  <p:tgtEl>
+                    <p:sldTgt/>
+                  </p:tgtEl>
+                </p:cond>
+              </p:prevCondLst>
+              <p:nextCondLst>
+                <p:cond evt="onNext" delay="0">
+                  <p:tgtEl>
+                    <p:sldTgt/>
+                  </p:tgtEl>
+                </p:cond>
+              </p:nextCondLst>
+            </p:seq>
+          </p:childTnLst>
+        </p:cTn>
+      </p:par>
+    </p:tnLst>
+    <p:bldLst>
+      <p:bldP spid="2" grpId="0"/>
+    </p:bldLst>
+  </p:timing>
+</p:sld>
+</file>
+
+<file path=ppt/slides/slide3.xml><?xml version="1.0" encoding="utf-8"?>
+<p:sld xmlns:a="http://schemas.openxmlformats.org/drawingml/2006/main" xmlns:r="http://schemas.openxmlformats.org/officeDocument/2006/relationships" xmlns:p="http://schemas.openxmlformats.org/presentationml/2006/main">
+  <p:cSld>
     <p:spTree>
       <p:nvGrpSpPr>
         <p:cNvPr id="1" name="">
@@ -14669,7 +15722,7 @@
             <p:ph idx="1"/>
             <p:extLst>
               <p:ext uri="{D42A27DB-BD31-4B8C-83A1-F6EECF244321}">
-                <p14:modId xmlns:p14="http://schemas.microsoft.com/office/powerpoint/2010/main" val="965248683"/>
+                <p14:modId xmlns:p14="http://schemas.microsoft.com/office/powerpoint/2010/main" val="1503692034"/>
               </p:ext>
             </p:extLst>
           </p:nvPr>
@@ -14697,7 +15750,7 @@
 </p:sld>
 </file>
 
-<file path=ppt/slides/slide3.xml><?xml version="1.0" encoding="utf-8"?>
+<file path=ppt/slides/slide4.xml><?xml version="1.0" encoding="utf-8"?>
 <p:sld xmlns:a="http://schemas.openxmlformats.org/drawingml/2006/main" xmlns:r="http://schemas.openxmlformats.org/officeDocument/2006/relationships" xmlns:p="http://schemas.openxmlformats.org/presentationml/2006/main">
   <p:cSld>
     <p:spTree>
@@ -14798,7 +15851,7 @@
 </p:sld>
 </file>
 
-<file path=ppt/slides/slide4.xml><?xml version="1.0" encoding="utf-8"?>
+<file path=ppt/slides/slide5.xml><?xml version="1.0" encoding="utf-8"?>
 <p:sld xmlns:a="http://schemas.openxmlformats.org/drawingml/2006/main" xmlns:r="http://schemas.openxmlformats.org/officeDocument/2006/relationships" xmlns:p="http://schemas.openxmlformats.org/presentationml/2006/main">
   <p:cSld>
     <p:spTree>
@@ -14890,7 +15943,7 @@
 </p:sld>
 </file>
 
-<file path=ppt/slides/slide5.xml><?xml version="1.0" encoding="utf-8"?>
+<file path=ppt/slides/slide6.xml><?xml version="1.0" encoding="utf-8"?>
 <p:sld xmlns:a="http://schemas.openxmlformats.org/drawingml/2006/main" xmlns:r="http://schemas.openxmlformats.org/officeDocument/2006/relationships" xmlns:p="http://schemas.openxmlformats.org/presentationml/2006/main">
   <p:cSld>
     <p:bg>
@@ -16313,24 +17366,6 @@
 </file>
 
 <file path=customXml/item1.xml><?xml version="1.0" encoding="utf-8"?>
-<p:properties xmlns:p="http://schemas.microsoft.com/office/2006/metadata/properties" xmlns:xsi="http://www.w3.org/2001/XMLSchema-instance" xmlns:pc="http://schemas.microsoft.com/office/infopath/2007/PartnerControls">
-  <documentManagement>
-    <Status xmlns="71af3243-3dd4-4a8d-8c0d-dd76da1f02a5">Not started</Status>
-    <MediaServiceKeyPoints xmlns="71af3243-3dd4-4a8d-8c0d-dd76da1f02a5" xsi:nil="true"/>
-  </documentManagement>
-</p:properties>
-</file>
-
-<file path=customXml/item2.xml><?xml version="1.0" encoding="utf-8"?>
-<?mso-contentType ?>
-<FormTemplates xmlns="http://schemas.microsoft.com/sharepoint/v3/contenttype/forms">
-  <Display>DocumentLibraryForm</Display>
-  <Edit>DocumentLibraryForm</Edit>
-  <New>DocumentLibraryForm</New>
-</FormTemplates>
-</file>
-
-<file path=customXml/item3.xml><?xml version="1.0" encoding="utf-8"?>
 <ct:contentTypeSchema xmlns:ct="http://schemas.microsoft.com/office/2006/metadata/contentType" xmlns:ma="http://schemas.microsoft.com/office/2006/metadata/properties/metaAttributes" ct:_="" ma:_="" ma:contentTypeName="Document" ma:contentTypeID="0x01010079F111ED35F8CC479449609E8A0923A6" ma:contentTypeVersion="12" ma:contentTypeDescription="Create a new document." ma:contentTypeScope="" ma:versionID="a410dd7f93c95333ffa1b60ed6adedd1">
   <xsd:schema xmlns:xsd="http://www.w3.org/2001/XMLSchema" xmlns:xs="http://www.w3.org/2001/XMLSchema" xmlns:p="http://schemas.microsoft.com/office/2006/metadata/properties" xmlns:ns2="71af3243-3dd4-4a8d-8c0d-dd76da1f02a5" xmlns:ns3="16c05727-aa75-4e4a-9b5f-8a80a1165891" targetNamespace="http://schemas.microsoft.com/office/2006/metadata/properties" ma:root="true" ma:fieldsID="a936d9baba76aa3866493feff160faab" ns2:_="" ns3:_="">
     <xsd:import namespace="71af3243-3dd4-4a8d-8c0d-dd76da1f02a5"/>
@@ -16551,25 +17586,25 @@
 </ct:contentTypeSchema>
 </file>
 
-<file path=customXml/itemProps1.xml><?xml version="1.0" encoding="utf-8"?>
-<ds:datastoreItem xmlns:ds="http://schemas.openxmlformats.org/officeDocument/2006/customXml" ds:itemID="{B975FBC4-9D33-46BE-911D-419763BA9AF9}">
-  <ds:schemaRefs>
-    <ds:schemaRef ds:uri="http://schemas.microsoft.com/office/2006/metadata/properties"/>
-    <ds:schemaRef ds:uri="http://schemas.microsoft.com/office/infopath/2007/PartnerControls"/>
-    <ds:schemaRef ds:uri="71af3243-3dd4-4a8d-8c0d-dd76da1f02a5"/>
-  </ds:schemaRefs>
-</ds:datastoreItem>
+<file path=customXml/item2.xml><?xml version="1.0" encoding="utf-8"?>
+<?mso-contentType ?>
+<FormTemplates xmlns="http://schemas.microsoft.com/sharepoint/v3/contenttype/forms">
+  <Display>DocumentLibraryForm</Display>
+  <Edit>DocumentLibraryForm</Edit>
+  <New>DocumentLibraryForm</New>
+</FormTemplates>
 </file>
 
-<file path=customXml/itemProps2.xml><?xml version="1.0" encoding="utf-8"?>
-<ds:datastoreItem xmlns:ds="http://schemas.openxmlformats.org/officeDocument/2006/customXml" ds:itemID="{294F055B-D391-44D3-A87A-BCD07BD5A31C}">
-  <ds:schemaRefs>
-    <ds:schemaRef ds:uri="http://schemas.microsoft.com/sharepoint/v3/contenttype/forms"/>
-  </ds:schemaRefs>
-</ds:datastoreItem>
+<file path=customXml/item3.xml><?xml version="1.0" encoding="utf-8"?>
+<p:properties xmlns:p="http://schemas.microsoft.com/office/2006/metadata/properties" xmlns:xsi="http://www.w3.org/2001/XMLSchema-instance" xmlns:pc="http://schemas.microsoft.com/office/infopath/2007/PartnerControls">
+  <documentManagement>
+    <Status xmlns="71af3243-3dd4-4a8d-8c0d-dd76da1f02a5">Not started</Status>
+    <MediaServiceKeyPoints xmlns="71af3243-3dd4-4a8d-8c0d-dd76da1f02a5" xsi:nil="true"/>
+  </documentManagement>
+</p:properties>
 </file>
 
-<file path=customXml/itemProps3.xml><?xml version="1.0" encoding="utf-8"?>
+<file path=customXml/itemProps1.xml><?xml version="1.0" encoding="utf-8"?>
 <ds:datastoreItem xmlns:ds="http://schemas.openxmlformats.org/officeDocument/2006/customXml" ds:itemID="{26DBD101-FC0A-4B21-82B0-57CAA7AEEC71}">
   <ds:schemaRefs>
     <ds:schemaRef ds:uri="http://schemas.microsoft.com/office/2006/metadata/contentType"/>
@@ -16586,4 +17621,22 @@
     <ds:schemaRef ds:uri="http://schemas.microsoft.com/internal/obd"/>
   </ds:schemaRefs>
 </ds:datastoreItem>
+</file>
+
+<file path=customXml/itemProps2.xml><?xml version="1.0" encoding="utf-8"?>
+<ds:datastoreItem xmlns:ds="http://schemas.openxmlformats.org/officeDocument/2006/customXml" ds:itemID="{294F055B-D391-44D3-A87A-BCD07BD5A31C}">
+  <ds:schemaRefs>
+    <ds:schemaRef ds:uri="http://schemas.microsoft.com/sharepoint/v3/contenttype/forms"/>
+  </ds:schemaRefs>
+</ds:datastoreItem>
+</file>
+
+<file path=customXml/itemProps3.xml><?xml version="1.0" encoding="utf-8"?>
+<ds:datastoreItem xmlns:ds="http://schemas.openxmlformats.org/officeDocument/2006/customXml" ds:itemID="{B975FBC4-9D33-46BE-911D-419763BA9AF9}">
+  <ds:schemaRefs>
+    <ds:schemaRef ds:uri="http://schemas.microsoft.com/office/2006/metadata/properties"/>
+    <ds:schemaRef ds:uri="http://schemas.microsoft.com/office/infopath/2007/PartnerControls"/>
+    <ds:schemaRef ds:uri="71af3243-3dd4-4a8d-8c0d-dd76da1f02a5"/>
+  </ds:schemaRefs>
+</ds:datastoreItem>
 </file>